--- a/doc/vldb15/ermia-arch.pptx
+++ b/doc/vldb15/ermia-arch.pptx
@@ -104,6 +104,11 @@
       </a:defRPr>
     </a:lvl9pPr>
   </p:defaultTextStyle>
+  <p:extLst>
+    <p:ext uri="{EFAFB233-063F-42B5-8137-9DF3F51BA10A}">
+      <p15:sldGuideLst xmlns:p15="http://schemas.microsoft.com/office/powerpoint/2012/main"/>
+    </p:ext>
+  </p:extLst>
 </p:presentation>
 </file>
 
@@ -3014,7 +3019,7 @@
           <a:p>
             <a:pPr algn="ctr"/>
             <a:r>
-              <a:rPr lang="en-US" dirty="0"/>
+              <a:rPr lang="en-US" b="1" dirty="0"/>
               <a:t>Version chains</a:t>
             </a:r>
           </a:p>
@@ -3030,7 +3035,7 @@
         </p:nvSpPr>
         <p:spPr bwMode="auto">
           <a:xfrm rot="10800000" flipV="1">
-            <a:off x="326471" y="472154"/>
+            <a:off x="301923" y="613305"/>
             <a:ext cx="184177" cy="534998"/>
           </a:xfrm>
           <a:custGeom>
@@ -3273,7 +3278,7 @@
         </p:nvSpPr>
         <p:spPr bwMode="auto">
           <a:xfrm rot="10800000" flipV="1">
-            <a:off x="971783" y="472154"/>
+            <a:off x="947235" y="613305"/>
             <a:ext cx="184177" cy="534998"/>
           </a:xfrm>
           <a:custGeom>
@@ -3516,7 +3521,7 @@
         </p:nvSpPr>
         <p:spPr bwMode="auto">
           <a:xfrm rot="10800000" flipV="1">
-            <a:off x="1617098" y="472154"/>
+            <a:off x="1592550" y="613305"/>
             <a:ext cx="184177" cy="534998"/>
           </a:xfrm>
           <a:custGeom>
@@ -3786,8 +3791,8 @@
         </p:nvSpPr>
         <p:spPr>
           <a:xfrm>
-            <a:off x="2635474" y="688621"/>
-            <a:ext cx="838200" cy="383550"/>
+            <a:off x="2758214" y="894327"/>
+            <a:ext cx="838200" cy="326917"/>
           </a:xfrm>
           <a:prstGeom prst="rightArrow">
             <a:avLst/>
@@ -3829,7 +3834,7 @@
         </p:nvSpPr>
         <p:spPr>
           <a:xfrm>
-            <a:off x="2125856" y="319288"/>
+            <a:off x="2260870" y="417480"/>
             <a:ext cx="2033890" cy="369332"/>
           </a:xfrm>
           <a:prstGeom prst="rect">
@@ -3904,7 +3909,7 @@
         </p:nvSpPr>
         <p:spPr>
           <a:xfrm>
-            <a:off x="220828" y="3133560"/>
+            <a:off x="220828" y="2961724"/>
             <a:ext cx="1717002" cy="365760"/>
           </a:xfrm>
           <a:prstGeom prst="rect">
@@ -3944,9 +3949,10 @@
           <a:p>
             <a:pPr algn="ctr"/>
             <a:r>
-              <a:rPr lang="en-US" dirty="0"/>
-              <a:t>Durable log</a:t>
-            </a:r>
+              <a:rPr lang="en-US" sz="1600" dirty="0" smtClean="0"/>
+              <a:t>Central Log buffer</a:t>
+            </a:r>
+            <a:endParaRPr lang="en-US" sz="1600" dirty="0"/>
           </a:p>
         </p:txBody>
       </p:sp>
@@ -4782,7 +4788,7 @@
           <a:p>
             <a:pPr algn="ctr"/>
             <a:r>
-              <a:rPr lang="en-US" dirty="0"/>
+              <a:rPr lang="en-US" b="1" dirty="0"/>
               <a:t>Epoch-based resource management</a:t>
             </a:r>
           </a:p>
@@ -4796,7 +4802,7 @@
         </p:nvSpPr>
         <p:spPr>
           <a:xfrm>
-            <a:off x="47170" y="1072170"/>
+            <a:off x="10348" y="1286965"/>
             <a:ext cx="2033388" cy="918972"/>
           </a:xfrm>
           <a:prstGeom prst="rect">
@@ -4849,7 +4855,7 @@
         </p:nvSpPr>
         <p:spPr>
           <a:xfrm>
-            <a:off x="318593" y="1137357"/>
+            <a:off x="294045" y="1364426"/>
             <a:ext cx="179070" cy="154767"/>
           </a:xfrm>
           <a:prstGeom prst="rect">
@@ -4892,7 +4898,7 @@
         </p:nvSpPr>
         <p:spPr>
           <a:xfrm>
-            <a:off x="318593" y="1291140"/>
+            <a:off x="294045" y="1518209"/>
             <a:ext cx="179070" cy="154767"/>
           </a:xfrm>
           <a:prstGeom prst="rect">
@@ -4935,7 +4941,7 @@
         </p:nvSpPr>
         <p:spPr>
           <a:xfrm>
-            <a:off x="318593" y="1413805"/>
+            <a:off x="294045" y="1640874"/>
             <a:ext cx="179070" cy="154767"/>
           </a:xfrm>
           <a:prstGeom prst="rect">
@@ -4978,7 +4984,7 @@
         </p:nvSpPr>
         <p:spPr>
           <a:xfrm>
-            <a:off x="977428" y="1135008"/>
+            <a:off x="952880" y="1362077"/>
             <a:ext cx="179070" cy="154767"/>
           </a:xfrm>
           <a:prstGeom prst="rect">
@@ -5021,7 +5027,7 @@
         </p:nvSpPr>
         <p:spPr>
           <a:xfrm>
-            <a:off x="977428" y="1288794"/>
+            <a:off x="952880" y="1515863"/>
             <a:ext cx="179070" cy="154767"/>
           </a:xfrm>
           <a:prstGeom prst="rect">
@@ -5064,7 +5070,7 @@
         </p:nvSpPr>
         <p:spPr>
           <a:xfrm>
-            <a:off x="977428" y="1411459"/>
+            <a:off x="952880" y="1638528"/>
             <a:ext cx="179070" cy="154767"/>
           </a:xfrm>
           <a:prstGeom prst="rect">
@@ -5107,7 +5113,7 @@
         </p:nvSpPr>
         <p:spPr>
           <a:xfrm>
-            <a:off x="1622194" y="1132661"/>
+            <a:off x="1597646" y="1359730"/>
             <a:ext cx="179070" cy="154767"/>
           </a:xfrm>
           <a:prstGeom prst="rect">
@@ -5150,7 +5156,7 @@
         </p:nvSpPr>
         <p:spPr>
           <a:xfrm>
-            <a:off x="1622194" y="1286444"/>
+            <a:off x="1597646" y="1513513"/>
             <a:ext cx="179070" cy="154767"/>
           </a:xfrm>
           <a:prstGeom prst="rect">
@@ -5193,7 +5199,7 @@
         </p:nvSpPr>
         <p:spPr>
           <a:xfrm>
-            <a:off x="1622194" y="1409113"/>
+            <a:off x="1597646" y="1636182"/>
             <a:ext cx="179070" cy="154767"/>
           </a:xfrm>
           <a:prstGeom prst="rect">
@@ -5230,18 +5236,21 @@
       </p:sp>
       <p:sp>
         <p:nvSpPr>
-          <p:cNvPr id="147" name="Right Arrow 146"/>
+          <p:cNvPr id="148" name="Rectangle 147"/>
           <p:cNvSpPr/>
           <p:nvPr/>
         </p:nvSpPr>
         <p:spPr>
-          <a:xfrm rot="5400000">
-            <a:off x="294402" y="2304613"/>
-            <a:ext cx="640082" cy="365760"/>
-          </a:xfrm>
-          <a:prstGeom prst="rightArrow">
+          <a:xfrm>
+            <a:off x="685462" y="2349725"/>
+            <a:ext cx="1016692" cy="408897"/>
+          </a:xfrm>
+          <a:prstGeom prst="rect">
             <a:avLst/>
           </a:prstGeom>
+          <a:ln>
+            <a:noFill/>
+          </a:ln>
         </p:spPr>
         <p:style>
           <a:lnRef idx="2">
@@ -5267,27 +5276,27 @@
           <a:lstStyle/>
           <a:p>
             <a:pPr algn="ctr"/>
-            <a:endParaRPr lang="en-US" dirty="0"/>
-          </a:p>
-        </p:txBody>
-      </p:sp>
-      <p:sp>
-        <p:nvSpPr>
-          <p:cNvPr id="148" name="Rectangle 147"/>
+            <a:r>
+              <a:rPr lang="en-US" dirty="0"/>
+              <a:t>Commit </a:t>
+            </a:r>
+          </a:p>
+        </p:txBody>
+      </p:sp>
+      <p:sp>
+        <p:nvSpPr>
+          <p:cNvPr id="151" name="Rectangle 150"/>
           <p:cNvSpPr/>
           <p:nvPr/>
         </p:nvSpPr>
         <p:spPr>
           <a:xfrm>
-            <a:off x="808202" y="2269944"/>
-            <a:ext cx="1016692" cy="408897"/>
+            <a:off x="2137915" y="3847456"/>
+            <a:ext cx="1554478" cy="365760"/>
           </a:xfrm>
           <a:prstGeom prst="rect">
             <a:avLst/>
           </a:prstGeom>
-          <a:ln>
-            <a:noFill/>
-          </a:ln>
         </p:spPr>
         <p:style>
           <a:lnRef idx="2">
@@ -5315,21 +5324,21 @@
             <a:pPr algn="ctr"/>
             <a:r>
               <a:rPr lang="en-US" dirty="0"/>
-              <a:t>Commit or timeout</a:t>
-            </a:r>
-          </a:p>
-        </p:txBody>
-      </p:sp>
-      <p:sp>
-        <p:nvSpPr>
-          <p:cNvPr id="151" name="Rectangle 150"/>
+              <a:t>TID manager</a:t>
+            </a:r>
+          </a:p>
+        </p:txBody>
+      </p:sp>
+      <p:sp>
+        <p:nvSpPr>
+          <p:cNvPr id="152" name="Rectangle 151"/>
           <p:cNvSpPr/>
           <p:nvPr/>
         </p:nvSpPr>
         <p:spPr>
           <a:xfrm>
-            <a:off x="2137915" y="3847456"/>
-            <a:ext cx="1554478" cy="365760"/>
+            <a:off x="3850380" y="3847451"/>
+            <a:ext cx="1920238" cy="365760"/>
           </a:xfrm>
           <a:prstGeom prst="rect">
             <a:avLst/>
@@ -5361,21 +5370,21 @@
             <a:pPr algn="ctr"/>
             <a:r>
               <a:rPr lang="en-US" dirty="0"/>
-              <a:t>TID manager</a:t>
-            </a:r>
-          </a:p>
-        </p:txBody>
-      </p:sp>
-      <p:sp>
-        <p:nvSpPr>
-          <p:cNvPr id="152" name="Rectangle 151"/>
+              <a:t>Garbage collector</a:t>
+            </a:r>
+          </a:p>
+        </p:txBody>
+      </p:sp>
+      <p:sp>
+        <p:nvSpPr>
+          <p:cNvPr id="153" name="Rectangle 152"/>
           <p:cNvSpPr/>
           <p:nvPr/>
         </p:nvSpPr>
         <p:spPr>
           <a:xfrm>
-            <a:off x="3850380" y="3847451"/>
-            <a:ext cx="1920238" cy="365760"/>
+            <a:off x="408132" y="3847451"/>
+            <a:ext cx="1554478" cy="365760"/>
           </a:xfrm>
           <a:prstGeom prst="rect">
             <a:avLst/>
@@ -5407,23 +5416,23 @@
             <a:pPr algn="ctr"/>
             <a:r>
               <a:rPr lang="en-US" dirty="0"/>
-              <a:t>Garbage collector</a:t>
-            </a:r>
-          </a:p>
-        </p:txBody>
-      </p:sp>
-      <p:sp>
-        <p:nvSpPr>
-          <p:cNvPr id="153" name="Rectangle 152"/>
+              <a:t>Log manager</a:t>
+            </a:r>
+          </a:p>
+        </p:txBody>
+      </p:sp>
+      <p:sp>
+        <p:nvSpPr>
+          <p:cNvPr id="147" name="Right Arrow 146"/>
           <p:cNvSpPr/>
           <p:nvPr/>
         </p:nvSpPr>
         <p:spPr>
-          <a:xfrm>
-            <a:off x="408132" y="3847451"/>
-            <a:ext cx="1554478" cy="365760"/>
-          </a:xfrm>
-          <a:prstGeom prst="rect">
+          <a:xfrm rot="5400000">
+            <a:off x="385735" y="2426634"/>
+            <a:ext cx="475131" cy="274400"/>
+          </a:xfrm>
+          <a:prstGeom prst="rightArrow">
             <a:avLst/>
           </a:prstGeom>
         </p:spPr>
@@ -5451,10 +5460,7 @@
           <a:lstStyle/>
           <a:p>
             <a:pPr algn="ctr"/>
-            <a:r>
-              <a:rPr lang="en-US" dirty="0"/>
-              <a:t>Log manager</a:t>
-            </a:r>
+            <a:endParaRPr lang="en-US" dirty="0"/>
           </a:p>
         </p:txBody>
       </p:sp>

--- a/doc/vldb15/ermia-arch.pptx
+++ b/doc/vldb15/ermia-arch.pptx
@@ -243,7 +243,7 @@
           <a:p>
             <a:fld id="{325DCDBF-67E5-4D0C-B428-D1D882A4FACE}" type="datetimeFigureOut">
               <a:rPr lang="en-US" smtClean="0"/>
-              <a:t>2/27/2015</a:t>
+              <a:t>2/28/2015</a:t>
             </a:fld>
             <a:endParaRPr lang="en-US"/>
           </a:p>
@@ -413,7 +413,7 @@
           <a:p>
             <a:fld id="{325DCDBF-67E5-4D0C-B428-D1D882A4FACE}" type="datetimeFigureOut">
               <a:rPr lang="en-US" smtClean="0"/>
-              <a:t>2/27/2015</a:t>
+              <a:t>2/28/2015</a:t>
             </a:fld>
             <a:endParaRPr lang="en-US"/>
           </a:p>
@@ -593,7 +593,7 @@
           <a:p>
             <a:fld id="{325DCDBF-67E5-4D0C-B428-D1D882A4FACE}" type="datetimeFigureOut">
               <a:rPr lang="en-US" smtClean="0"/>
-              <a:t>2/27/2015</a:t>
+              <a:t>2/28/2015</a:t>
             </a:fld>
             <a:endParaRPr lang="en-US"/>
           </a:p>
@@ -763,7 +763,7 @@
           <a:p>
             <a:fld id="{325DCDBF-67E5-4D0C-B428-D1D882A4FACE}" type="datetimeFigureOut">
               <a:rPr lang="en-US" smtClean="0"/>
-              <a:t>2/27/2015</a:t>
+              <a:t>2/28/2015</a:t>
             </a:fld>
             <a:endParaRPr lang="en-US"/>
           </a:p>
@@ -1007,7 +1007,7 @@
           <a:p>
             <a:fld id="{325DCDBF-67E5-4D0C-B428-D1D882A4FACE}" type="datetimeFigureOut">
               <a:rPr lang="en-US" smtClean="0"/>
-              <a:t>2/27/2015</a:t>
+              <a:t>2/28/2015</a:t>
             </a:fld>
             <a:endParaRPr lang="en-US"/>
           </a:p>
@@ -1239,7 +1239,7 @@
           <a:p>
             <a:fld id="{325DCDBF-67E5-4D0C-B428-D1D882A4FACE}" type="datetimeFigureOut">
               <a:rPr lang="en-US" smtClean="0"/>
-              <a:t>2/27/2015</a:t>
+              <a:t>2/28/2015</a:t>
             </a:fld>
             <a:endParaRPr lang="en-US"/>
           </a:p>
@@ -1606,7 +1606,7 @@
           <a:p>
             <a:fld id="{325DCDBF-67E5-4D0C-B428-D1D882A4FACE}" type="datetimeFigureOut">
               <a:rPr lang="en-US" smtClean="0"/>
-              <a:t>2/27/2015</a:t>
+              <a:t>2/28/2015</a:t>
             </a:fld>
             <a:endParaRPr lang="en-US"/>
           </a:p>
@@ -1724,7 +1724,7 @@
           <a:p>
             <a:fld id="{325DCDBF-67E5-4D0C-B428-D1D882A4FACE}" type="datetimeFigureOut">
               <a:rPr lang="en-US" smtClean="0"/>
-              <a:t>2/27/2015</a:t>
+              <a:t>2/28/2015</a:t>
             </a:fld>
             <a:endParaRPr lang="en-US"/>
           </a:p>
@@ -1819,7 +1819,7 @@
           <a:p>
             <a:fld id="{325DCDBF-67E5-4D0C-B428-D1D882A4FACE}" type="datetimeFigureOut">
               <a:rPr lang="en-US" smtClean="0"/>
-              <a:t>2/27/2015</a:t>
+              <a:t>2/28/2015</a:t>
             </a:fld>
             <a:endParaRPr lang="en-US"/>
           </a:p>
@@ -2096,7 +2096,7 @@
           <a:p>
             <a:fld id="{325DCDBF-67E5-4D0C-B428-D1D882A4FACE}" type="datetimeFigureOut">
               <a:rPr lang="en-US" smtClean="0"/>
-              <a:t>2/27/2015</a:t>
+              <a:t>2/28/2015</a:t>
             </a:fld>
             <a:endParaRPr lang="en-US"/>
           </a:p>
@@ -2353,7 +2353,7 @@
           <a:p>
             <a:fld id="{325DCDBF-67E5-4D0C-B428-D1D882A4FACE}" type="datetimeFigureOut">
               <a:rPr lang="en-US" smtClean="0"/>
-              <a:t>2/27/2015</a:t>
+              <a:t>2/28/2015</a:t>
             </a:fld>
             <a:endParaRPr lang="en-US"/>
           </a:p>
@@ -2566,7 +2566,7 @@
           <a:p>
             <a:fld id="{325DCDBF-67E5-4D0C-B428-D1D882A4FACE}" type="datetimeFigureOut">
               <a:rPr lang="en-US" smtClean="0"/>
-              <a:t>2/27/2015</a:t>
+              <a:t>2/28/2015</a:t>
             </a:fld>
             <a:endParaRPr lang="en-US"/>
           </a:p>
@@ -3909,8 +3909,8 @@
         </p:nvSpPr>
         <p:spPr>
           <a:xfrm>
-            <a:off x="220828" y="2961724"/>
-            <a:ext cx="1717002" cy="365760"/>
+            <a:off x="220828" y="2902411"/>
+            <a:ext cx="1670116" cy="509404"/>
           </a:xfrm>
           <a:prstGeom prst="rect">
             <a:avLst/>
@@ -3950,7 +3950,14 @@
             <a:pPr algn="ctr"/>
             <a:r>
               <a:rPr lang="en-US" sz="1600" dirty="0" smtClean="0"/>
-              <a:t>Central Log buffer</a:t>
+              <a:t>Centralized</a:t>
+            </a:r>
+          </a:p>
+          <a:p>
+            <a:pPr algn="ctr"/>
+            <a:r>
+              <a:rPr lang="en-US" sz="1600" dirty="0" smtClean="0"/>
+              <a:t>log buffer</a:t>
             </a:r>
             <a:endParaRPr lang="en-US" sz="1600" dirty="0"/>
           </a:p>
@@ -5242,7 +5249,7 @@
         </p:nvSpPr>
         <p:spPr>
           <a:xfrm>
-            <a:off x="685462" y="2349725"/>
+            <a:off x="685462" y="2305335"/>
             <a:ext cx="1016692" cy="408897"/>
           </a:xfrm>
           <a:prstGeom prst="rect">
@@ -5429,7 +5436,7 @@
         </p:nvSpPr>
         <p:spPr>
           <a:xfrm rot="5400000">
-            <a:off x="385735" y="2426634"/>
+            <a:off x="385735" y="2382244"/>
             <a:ext cx="475131" cy="274400"/>
           </a:xfrm>
           <a:prstGeom prst="rightArrow">
